--- a/家計簿_岩下暢秀.pptx
+++ b/家計簿_岩下暢秀.pptx
@@ -7,7 +7,8 @@
   <p:sldIdLst>
     <p:sldId id="256" r:id="rId2"/>
     <p:sldId id="258" r:id="rId3"/>
-    <p:sldId id="259" r:id="rId4"/>
+    <p:sldId id="260" r:id="rId4"/>
+    <p:sldId id="259" r:id="rId5"/>
   </p:sldIdLst>
   <p:sldSz cx="12192000" cy="6858000"/>
   <p:notesSz cx="6858000" cy="9144000"/>
@@ -106,6 +107,11 @@
       </a:defRPr>
     </a:lvl9pPr>
   </p:defaultTextStyle>
+  <p:extLst>
+    <p:ext uri="{EFAFB233-063F-42B5-8137-9DF3F51BA10A}">
+      <p15:sldGuideLst xmlns:p15="http://schemas.microsoft.com/office/powerpoint/2012/main"/>
+    </p:ext>
+  </p:extLst>
 </p:presentation>
 </file>
 
@@ -256,7 +262,7 @@
           <a:p>
             <a:fld id="{6C1B74BB-44F4-4D39-8D67-EF23E4E6B2F0}" type="datetimeFigureOut">
               <a:rPr kumimoji="1" lang="ja-JP" altLang="en-US" smtClean="0"/>
-              <a:t>2025/5/7</a:t>
+              <a:t>2025/7/7</a:t>
             </a:fld>
             <a:endParaRPr kumimoji="1" lang="ja-JP" altLang="en-US"/>
           </a:p>
@@ -486,7 +492,7 @@
           <a:p>
             <a:fld id="{6C1B74BB-44F4-4D39-8D67-EF23E4E6B2F0}" type="datetimeFigureOut">
               <a:rPr kumimoji="1" lang="ja-JP" altLang="en-US" smtClean="0"/>
-              <a:t>2025/5/7</a:t>
+              <a:t>2025/7/7</a:t>
             </a:fld>
             <a:endParaRPr kumimoji="1" lang="ja-JP" altLang="en-US"/>
           </a:p>
@@ -726,7 +732,7 @@
           <a:p>
             <a:fld id="{6C1B74BB-44F4-4D39-8D67-EF23E4E6B2F0}" type="datetimeFigureOut">
               <a:rPr kumimoji="1" lang="ja-JP" altLang="en-US" smtClean="0"/>
-              <a:t>2025/5/7</a:t>
+              <a:t>2025/7/7</a:t>
             </a:fld>
             <a:endParaRPr kumimoji="1" lang="ja-JP" altLang="en-US"/>
           </a:p>
@@ -956,7 +962,7 @@
           <a:p>
             <a:fld id="{6C1B74BB-44F4-4D39-8D67-EF23E4E6B2F0}" type="datetimeFigureOut">
               <a:rPr kumimoji="1" lang="ja-JP" altLang="en-US" smtClean="0"/>
-              <a:t>2025/5/7</a:t>
+              <a:t>2025/7/7</a:t>
             </a:fld>
             <a:endParaRPr kumimoji="1" lang="ja-JP" altLang="en-US"/>
           </a:p>
@@ -1231,7 +1237,7 @@
           <a:p>
             <a:fld id="{6C1B74BB-44F4-4D39-8D67-EF23E4E6B2F0}" type="datetimeFigureOut">
               <a:rPr kumimoji="1" lang="ja-JP" altLang="en-US" smtClean="0"/>
-              <a:t>2025/5/7</a:t>
+              <a:t>2025/7/7</a:t>
             </a:fld>
             <a:endParaRPr kumimoji="1" lang="ja-JP" altLang="en-US"/>
           </a:p>
@@ -1560,7 +1566,7 @@
           <a:p>
             <a:fld id="{6C1B74BB-44F4-4D39-8D67-EF23E4E6B2F0}" type="datetimeFigureOut">
               <a:rPr kumimoji="1" lang="ja-JP" altLang="en-US" smtClean="0"/>
-              <a:t>2025/5/7</a:t>
+              <a:t>2025/7/7</a:t>
             </a:fld>
             <a:endParaRPr kumimoji="1" lang="ja-JP" altLang="en-US"/>
           </a:p>
@@ -2036,7 +2042,7 @@
           <a:p>
             <a:fld id="{6C1B74BB-44F4-4D39-8D67-EF23E4E6B2F0}" type="datetimeFigureOut">
               <a:rPr kumimoji="1" lang="ja-JP" altLang="en-US" smtClean="0"/>
-              <a:t>2025/5/7</a:t>
+              <a:t>2025/7/7</a:t>
             </a:fld>
             <a:endParaRPr kumimoji="1" lang="ja-JP" altLang="en-US"/>
           </a:p>
@@ -2177,7 +2183,7 @@
           <a:p>
             <a:fld id="{6C1B74BB-44F4-4D39-8D67-EF23E4E6B2F0}" type="datetimeFigureOut">
               <a:rPr kumimoji="1" lang="ja-JP" altLang="en-US" smtClean="0"/>
-              <a:t>2025/5/7</a:t>
+              <a:t>2025/7/7</a:t>
             </a:fld>
             <a:endParaRPr kumimoji="1" lang="ja-JP" altLang="en-US"/>
           </a:p>
@@ -2290,7 +2296,7 @@
           <a:p>
             <a:fld id="{6C1B74BB-44F4-4D39-8D67-EF23E4E6B2F0}" type="datetimeFigureOut">
               <a:rPr kumimoji="1" lang="ja-JP" altLang="en-US" smtClean="0"/>
-              <a:t>2025/5/7</a:t>
+              <a:t>2025/7/7</a:t>
             </a:fld>
             <a:endParaRPr kumimoji="1" lang="ja-JP" altLang="en-US"/>
           </a:p>
@@ -2633,7 +2639,7 @@
           <a:p>
             <a:fld id="{6C1B74BB-44F4-4D39-8D67-EF23E4E6B2F0}" type="datetimeFigureOut">
               <a:rPr kumimoji="1" lang="ja-JP" altLang="en-US" smtClean="0"/>
-              <a:t>2025/5/7</a:t>
+              <a:t>2025/7/7</a:t>
             </a:fld>
             <a:endParaRPr kumimoji="1" lang="ja-JP" altLang="en-US"/>
           </a:p>
@@ -2921,7 +2927,7 @@
           <a:p>
             <a:fld id="{6C1B74BB-44F4-4D39-8D67-EF23E4E6B2F0}" type="datetimeFigureOut">
               <a:rPr kumimoji="1" lang="ja-JP" altLang="en-US" smtClean="0"/>
-              <a:t>2025/5/7</a:t>
+              <a:t>2025/7/7</a:t>
             </a:fld>
             <a:endParaRPr kumimoji="1" lang="ja-JP" altLang="en-US"/>
           </a:p>
@@ -3194,7 +3200,7 @@
           <a:p>
             <a:fld id="{6C1B74BB-44F4-4D39-8D67-EF23E4E6B2F0}" type="datetimeFigureOut">
               <a:rPr kumimoji="1" lang="ja-JP" altLang="en-US" smtClean="0"/>
-              <a:t>2025/5/7</a:t>
+              <a:t>2025/7/7</a:t>
             </a:fld>
             <a:endParaRPr kumimoji="1" lang="ja-JP" altLang="en-US"/>
           </a:p>
@@ -3633,7 +3639,7 @@
           <a:lstStyle/>
           <a:p>
             <a:r>
-              <a:rPr lang="ja-JP" altLang="en-US" b="1" i="0" dirty="0">
+              <a:rPr lang="ja-JP" altLang="en-US" b="1" i="0">
                 <a:solidFill>
                   <a:srgbClr val="242424"/>
                 </a:solidFill>
@@ -3643,7 +3649,7 @@
               <a:t>モバイルアプリ制作実習</a:t>
             </a:r>
             <a:br>
-              <a:rPr lang="ja-JP" altLang="en-US" b="1" i="0" dirty="0">
+              <a:rPr lang="ja-JP" altLang="en-US" b="1" i="0">
                 <a:solidFill>
                   <a:srgbClr val="242424"/>
                 </a:solidFill>
@@ -3679,9 +3685,10 @@
           <a:lstStyle/>
           <a:p>
             <a:r>
-              <a:rPr kumimoji="1" lang="ja-JP" altLang="en-US" sz="4800" dirty="0"/>
+              <a:rPr kumimoji="1" lang="ja-JP" altLang="en-US" sz="4800"/>
               <a:t>家計簿</a:t>
             </a:r>
+            <a:endParaRPr kumimoji="1" lang="ja-JP" altLang="en-US" sz="4800" dirty="0"/>
           </a:p>
         </p:txBody>
       </p:sp>
@@ -3738,7 +3745,7 @@
           <a:p>
             <a:r>
               <a:rPr kumimoji="1" lang="ja-JP" altLang="en-US" dirty="0"/>
-              <a:t>実装予定内容</a:t>
+              <a:t>アプリ内容</a:t>
             </a:r>
           </a:p>
         </p:txBody>
@@ -3764,30 +3771,30 @@
           <a:bodyPr/>
           <a:lstStyle/>
           <a:p>
-            <a:r>
-              <a:rPr kumimoji="1" lang="ja-JP" altLang="en-US" dirty="0"/>
-              <a:t>収支の記録</a:t>
-            </a:r>
+            <a:pPr marL="0" indent="0" algn="ctr">
+              <a:buNone/>
+            </a:pPr>
             <a:endParaRPr kumimoji="1" lang="en-US" altLang="ja-JP" dirty="0"/>
           </a:p>
           <a:p>
-            <a:r>
-              <a:rPr lang="ja-JP" altLang="en-US" dirty="0"/>
-              <a:t>日ごと、月ごと、年ごと、全期間の収支をグラフで可視化</a:t>
-            </a:r>
+            <a:pPr marL="0" indent="0" algn="ctr">
+              <a:buNone/>
+            </a:pPr>
             <a:endParaRPr lang="en-US" altLang="ja-JP" dirty="0"/>
           </a:p>
           <a:p>
-            <a:r>
-              <a:rPr kumimoji="1" lang="ja-JP" altLang="en-US" dirty="0"/>
-              <a:t>カテゴリごとの支出の表示</a:t>
-            </a:r>
+            <a:pPr marL="0" indent="0" algn="ctr">
+              <a:buNone/>
+            </a:pPr>
             <a:endParaRPr kumimoji="1" lang="en-US" altLang="ja-JP" dirty="0"/>
           </a:p>
           <a:p>
-            <a:r>
-              <a:rPr kumimoji="1" lang="ja-JP" altLang="en-US" dirty="0"/>
-              <a:t>残高推移の表示</a:t>
+            <a:pPr marL="0" indent="0" algn="ctr">
+              <a:buNone/>
+            </a:pPr>
+            <a:r>
+              <a:rPr kumimoji="1" lang="ja-JP" altLang="en-US" sz="4400" dirty="0"/>
+              <a:t>シンプルな家計簿です。</a:t>
             </a:r>
           </a:p>
         </p:txBody>
@@ -3806,6 +3813,499 @@
 </file>
 
 <file path=ppt/slides/slide3.xml><?xml version="1.0" encoding="utf-8"?>
+<p:sld xmlns:a="http://schemas.openxmlformats.org/drawingml/2006/main" xmlns:r="http://schemas.openxmlformats.org/officeDocument/2006/relationships" xmlns:p="http://schemas.openxmlformats.org/presentationml/2006/main">
+  <p:cSld>
+    <p:spTree>
+      <p:nvGrpSpPr>
+        <p:cNvPr id="1" name=""/>
+        <p:cNvGrpSpPr/>
+        <p:nvPr/>
+      </p:nvGrpSpPr>
+      <p:grpSpPr>
+        <a:xfrm>
+          <a:off x="0" y="0"/>
+          <a:ext cx="0" cy="0"/>
+          <a:chOff x="0" y="0"/>
+          <a:chExt cx="0" cy="0"/>
+        </a:xfrm>
+      </p:grpSpPr>
+      <p:sp>
+        <p:nvSpPr>
+          <p:cNvPr id="2" name="タイトル 1">
+            <a:extLst>
+              <a:ext uri="{FF2B5EF4-FFF2-40B4-BE49-F238E27FC236}">
+                <a16:creationId xmlns:a16="http://schemas.microsoft.com/office/drawing/2014/main" id="{6C79CA4A-9BDB-3ACD-798E-03F957509C90}"/>
+              </a:ext>
+            </a:extLst>
+          </p:cNvPr>
+          <p:cNvSpPr>
+            <a:spLocks noGrp="1"/>
+          </p:cNvSpPr>
+          <p:nvPr>
+            <p:ph type="title"/>
+          </p:nvPr>
+        </p:nvSpPr>
+        <p:spPr/>
+        <p:txBody>
+          <a:bodyPr/>
+          <a:lstStyle/>
+          <a:p>
+            <a:r>
+              <a:rPr kumimoji="1" lang="ja-JP" altLang="en-US" dirty="0"/>
+              <a:t>画面遷移</a:t>
+            </a:r>
+          </a:p>
+        </p:txBody>
+      </p:sp>
+      <p:sp>
+        <p:nvSpPr>
+          <p:cNvPr id="4" name="正方形/長方形 3">
+            <a:extLst>
+              <a:ext uri="{FF2B5EF4-FFF2-40B4-BE49-F238E27FC236}">
+                <a16:creationId xmlns:a16="http://schemas.microsoft.com/office/drawing/2014/main" id="{FF6E698F-817F-17E0-8DF8-A23578514912}"/>
+              </a:ext>
+            </a:extLst>
+          </p:cNvPr>
+          <p:cNvSpPr/>
+          <p:nvPr/>
+        </p:nvSpPr>
+        <p:spPr>
+          <a:xfrm>
+            <a:off x="4586748" y="3680520"/>
+            <a:ext cx="2802194" cy="1116627"/>
+          </a:xfrm>
+          <a:prstGeom prst="rect">
+            <a:avLst/>
+          </a:prstGeom>
+        </p:spPr>
+        <p:style>
+          <a:lnRef idx="1">
+            <a:schemeClr val="accent2"/>
+          </a:lnRef>
+          <a:fillRef idx="2">
+            <a:schemeClr val="accent2"/>
+          </a:fillRef>
+          <a:effectRef idx="1">
+            <a:schemeClr val="accent2"/>
+          </a:effectRef>
+          <a:fontRef idx="minor">
+            <a:schemeClr val="dk1"/>
+          </a:fontRef>
+        </p:style>
+        <p:txBody>
+          <a:bodyPr rtlCol="0" anchor="ctr"/>
+          <a:lstStyle/>
+          <a:p>
+            <a:pPr algn="ctr"/>
+            <a:r>
+              <a:rPr kumimoji="1" lang="ja-JP" altLang="en-US" sz="3600" dirty="0"/>
+              <a:t>ホーム画面</a:t>
+            </a:r>
+          </a:p>
+        </p:txBody>
+      </p:sp>
+      <p:sp>
+        <p:nvSpPr>
+          <p:cNvPr id="5" name="正方形/長方形 4">
+            <a:extLst>
+              <a:ext uri="{FF2B5EF4-FFF2-40B4-BE49-F238E27FC236}">
+                <a16:creationId xmlns:a16="http://schemas.microsoft.com/office/drawing/2014/main" id="{C2CAFA4B-F829-7344-A113-1801FD33369A}"/>
+              </a:ext>
+            </a:extLst>
+          </p:cNvPr>
+          <p:cNvSpPr/>
+          <p:nvPr/>
+        </p:nvSpPr>
+        <p:spPr>
+          <a:xfrm>
+            <a:off x="8445910" y="1690688"/>
+            <a:ext cx="2984090" cy="1325563"/>
+          </a:xfrm>
+          <a:prstGeom prst="rect">
+            <a:avLst/>
+          </a:prstGeom>
+        </p:spPr>
+        <p:style>
+          <a:lnRef idx="1">
+            <a:schemeClr val="accent2"/>
+          </a:lnRef>
+          <a:fillRef idx="2">
+            <a:schemeClr val="accent2"/>
+          </a:fillRef>
+          <a:effectRef idx="1">
+            <a:schemeClr val="accent2"/>
+          </a:effectRef>
+          <a:fontRef idx="minor">
+            <a:schemeClr val="dk1"/>
+          </a:fontRef>
+        </p:style>
+        <p:txBody>
+          <a:bodyPr rtlCol="0" anchor="ctr"/>
+          <a:lstStyle/>
+          <a:p>
+            <a:pPr algn="ctr"/>
+            <a:r>
+              <a:rPr lang="ja-JP" altLang="en-US" sz="3600" dirty="0"/>
+              <a:t>支出入力</a:t>
+            </a:r>
+            <a:r>
+              <a:rPr kumimoji="1" lang="ja-JP" altLang="en-US" sz="3600" dirty="0"/>
+              <a:t>画面</a:t>
+            </a:r>
+          </a:p>
+        </p:txBody>
+      </p:sp>
+      <p:sp>
+        <p:nvSpPr>
+          <p:cNvPr id="6" name="正方形/長方形 5">
+            <a:extLst>
+              <a:ext uri="{FF2B5EF4-FFF2-40B4-BE49-F238E27FC236}">
+                <a16:creationId xmlns:a16="http://schemas.microsoft.com/office/drawing/2014/main" id="{A3FEE3D6-FA1B-A356-D49C-2F7C1B38F5A2}"/>
+              </a:ext>
+            </a:extLst>
+          </p:cNvPr>
+          <p:cNvSpPr/>
+          <p:nvPr/>
+        </p:nvSpPr>
+        <p:spPr>
+          <a:xfrm>
+            <a:off x="8445910" y="5279923"/>
+            <a:ext cx="2984090" cy="1325564"/>
+          </a:xfrm>
+          <a:prstGeom prst="rect">
+            <a:avLst/>
+          </a:prstGeom>
+        </p:spPr>
+        <p:style>
+          <a:lnRef idx="1">
+            <a:schemeClr val="accent2"/>
+          </a:lnRef>
+          <a:fillRef idx="2">
+            <a:schemeClr val="accent2"/>
+          </a:fillRef>
+          <a:effectRef idx="1">
+            <a:schemeClr val="accent2"/>
+          </a:effectRef>
+          <a:fontRef idx="minor">
+            <a:schemeClr val="dk1"/>
+          </a:fontRef>
+        </p:style>
+        <p:txBody>
+          <a:bodyPr rtlCol="0" anchor="ctr"/>
+          <a:lstStyle/>
+          <a:p>
+            <a:pPr algn="ctr"/>
+            <a:r>
+              <a:rPr lang="ja-JP" altLang="en-US" sz="3600" dirty="0"/>
+              <a:t>収支比較</a:t>
+            </a:r>
+            <a:r>
+              <a:rPr kumimoji="1" lang="ja-JP" altLang="en-US" sz="3600" dirty="0"/>
+              <a:t>画面</a:t>
+            </a:r>
+          </a:p>
+        </p:txBody>
+      </p:sp>
+      <p:sp>
+        <p:nvSpPr>
+          <p:cNvPr id="7" name="正方形/長方形 6">
+            <a:extLst>
+              <a:ext uri="{FF2B5EF4-FFF2-40B4-BE49-F238E27FC236}">
+                <a16:creationId xmlns:a16="http://schemas.microsoft.com/office/drawing/2014/main" id="{F75C2201-27E3-9661-E79C-21427B4891FA}"/>
+              </a:ext>
+            </a:extLst>
+          </p:cNvPr>
+          <p:cNvSpPr/>
+          <p:nvPr/>
+        </p:nvSpPr>
+        <p:spPr>
+          <a:xfrm>
+            <a:off x="506360" y="1690688"/>
+            <a:ext cx="2866105" cy="1325563"/>
+          </a:xfrm>
+          <a:prstGeom prst="rect">
+            <a:avLst/>
+          </a:prstGeom>
+        </p:spPr>
+        <p:style>
+          <a:lnRef idx="1">
+            <a:schemeClr val="accent2"/>
+          </a:lnRef>
+          <a:fillRef idx="2">
+            <a:schemeClr val="accent2"/>
+          </a:fillRef>
+          <a:effectRef idx="1">
+            <a:schemeClr val="accent2"/>
+          </a:effectRef>
+          <a:fontRef idx="minor">
+            <a:schemeClr val="dk1"/>
+          </a:fontRef>
+        </p:style>
+        <p:txBody>
+          <a:bodyPr rtlCol="0" anchor="ctr"/>
+          <a:lstStyle/>
+          <a:p>
+            <a:pPr algn="ctr"/>
+            <a:r>
+              <a:rPr kumimoji="1" lang="ja-JP" altLang="en-US" sz="3200" dirty="0"/>
+              <a:t>収入入力画面</a:t>
+            </a:r>
+          </a:p>
+        </p:txBody>
+      </p:sp>
+      <p:sp>
+        <p:nvSpPr>
+          <p:cNvPr id="8" name="正方形/長方形 7">
+            <a:extLst>
+              <a:ext uri="{FF2B5EF4-FFF2-40B4-BE49-F238E27FC236}">
+                <a16:creationId xmlns:a16="http://schemas.microsoft.com/office/drawing/2014/main" id="{32EF0A2F-AB83-D05B-C909-8221E264D155}"/>
+              </a:ext>
+            </a:extLst>
+          </p:cNvPr>
+          <p:cNvSpPr/>
+          <p:nvPr/>
+        </p:nvSpPr>
+        <p:spPr>
+          <a:xfrm>
+            <a:off x="506360" y="5279922"/>
+            <a:ext cx="2866105" cy="1325563"/>
+          </a:xfrm>
+          <a:prstGeom prst="rect">
+            <a:avLst/>
+          </a:prstGeom>
+        </p:spPr>
+        <p:style>
+          <a:lnRef idx="1">
+            <a:schemeClr val="accent2"/>
+          </a:lnRef>
+          <a:fillRef idx="2">
+            <a:schemeClr val="accent2"/>
+          </a:fillRef>
+          <a:effectRef idx="1">
+            <a:schemeClr val="accent2"/>
+          </a:effectRef>
+          <a:fontRef idx="minor">
+            <a:schemeClr val="dk1"/>
+          </a:fontRef>
+        </p:style>
+        <p:txBody>
+          <a:bodyPr rtlCol="0" anchor="ctr"/>
+          <a:lstStyle/>
+          <a:p>
+            <a:pPr algn="ctr"/>
+            <a:r>
+              <a:rPr lang="ja-JP" altLang="en-US" sz="3200" dirty="0"/>
+              <a:t>収支確認</a:t>
+            </a:r>
+            <a:r>
+              <a:rPr kumimoji="1" lang="ja-JP" altLang="en-US" sz="3200" dirty="0"/>
+              <a:t>画面</a:t>
+            </a:r>
+          </a:p>
+        </p:txBody>
+      </p:sp>
+      <p:sp>
+        <p:nvSpPr>
+          <p:cNvPr id="11" name="矢印: 左右 10">
+            <a:extLst>
+              <a:ext uri="{FF2B5EF4-FFF2-40B4-BE49-F238E27FC236}">
+                <a16:creationId xmlns:a16="http://schemas.microsoft.com/office/drawing/2014/main" id="{0D7A86AE-715B-7ECF-D50B-4F7F276F2EA7}"/>
+              </a:ext>
+            </a:extLst>
+          </p:cNvPr>
+          <p:cNvSpPr/>
+          <p:nvPr/>
+        </p:nvSpPr>
+        <p:spPr>
+          <a:xfrm rot="2542881">
+            <a:off x="3269992" y="2695576"/>
+            <a:ext cx="1459189" cy="641350"/>
+          </a:xfrm>
+          <a:prstGeom prst="leftRightArrow">
+            <a:avLst>
+              <a:gd name="adj1" fmla="val 32225"/>
+              <a:gd name="adj2" fmla="val 50000"/>
+            </a:avLst>
+          </a:prstGeom>
+        </p:spPr>
+        <p:style>
+          <a:lnRef idx="1">
+            <a:schemeClr val="accent2"/>
+          </a:lnRef>
+          <a:fillRef idx="2">
+            <a:schemeClr val="accent2"/>
+          </a:fillRef>
+          <a:effectRef idx="1">
+            <a:schemeClr val="accent2"/>
+          </a:effectRef>
+          <a:fontRef idx="minor">
+            <a:schemeClr val="dk1"/>
+          </a:fontRef>
+        </p:style>
+        <p:txBody>
+          <a:bodyPr rtlCol="0" anchor="ctr"/>
+          <a:lstStyle/>
+          <a:p>
+            <a:pPr algn="ctr"/>
+            <a:endParaRPr kumimoji="1" lang="ja-JP" altLang="en-US"/>
+          </a:p>
+        </p:txBody>
+      </p:sp>
+      <p:sp>
+        <p:nvSpPr>
+          <p:cNvPr id="12" name="矢印: 左右 11">
+            <a:extLst>
+              <a:ext uri="{FF2B5EF4-FFF2-40B4-BE49-F238E27FC236}">
+                <a16:creationId xmlns:a16="http://schemas.microsoft.com/office/drawing/2014/main" id="{7A5058B7-2812-CB9D-BAE2-A3AAC46AB19C}"/>
+              </a:ext>
+            </a:extLst>
+          </p:cNvPr>
+          <p:cNvSpPr/>
+          <p:nvPr/>
+        </p:nvSpPr>
+        <p:spPr>
+          <a:xfrm rot="19003092">
+            <a:off x="3278876" y="5071308"/>
+            <a:ext cx="1363733" cy="641350"/>
+          </a:xfrm>
+          <a:prstGeom prst="leftRightArrow">
+            <a:avLst>
+              <a:gd name="adj1" fmla="val 32225"/>
+              <a:gd name="adj2" fmla="val 50000"/>
+            </a:avLst>
+          </a:prstGeom>
+        </p:spPr>
+        <p:style>
+          <a:lnRef idx="1">
+            <a:schemeClr val="accent2"/>
+          </a:lnRef>
+          <a:fillRef idx="2">
+            <a:schemeClr val="accent2"/>
+          </a:fillRef>
+          <a:effectRef idx="1">
+            <a:schemeClr val="accent2"/>
+          </a:effectRef>
+          <a:fontRef idx="minor">
+            <a:schemeClr val="dk1"/>
+          </a:fontRef>
+        </p:style>
+        <p:txBody>
+          <a:bodyPr rtlCol="0" anchor="ctr"/>
+          <a:lstStyle/>
+          <a:p>
+            <a:pPr algn="ctr"/>
+            <a:endParaRPr kumimoji="1" lang="ja-JP" altLang="en-US"/>
+          </a:p>
+        </p:txBody>
+      </p:sp>
+      <p:sp>
+        <p:nvSpPr>
+          <p:cNvPr id="13" name="矢印: 左右 12">
+            <a:extLst>
+              <a:ext uri="{FF2B5EF4-FFF2-40B4-BE49-F238E27FC236}">
+                <a16:creationId xmlns:a16="http://schemas.microsoft.com/office/drawing/2014/main" id="{F9755EDE-6327-A6EA-3AC2-46B30C935705}"/>
+              </a:ext>
+            </a:extLst>
+          </p:cNvPr>
+          <p:cNvSpPr/>
+          <p:nvPr/>
+        </p:nvSpPr>
+        <p:spPr>
+          <a:xfrm rot="8012222">
+            <a:off x="7207994" y="2747987"/>
+            <a:ext cx="1363733" cy="641350"/>
+          </a:xfrm>
+          <a:prstGeom prst="leftRightArrow">
+            <a:avLst>
+              <a:gd name="adj1" fmla="val 32225"/>
+              <a:gd name="adj2" fmla="val 50000"/>
+            </a:avLst>
+          </a:prstGeom>
+        </p:spPr>
+        <p:style>
+          <a:lnRef idx="1">
+            <a:schemeClr val="accent2"/>
+          </a:lnRef>
+          <a:fillRef idx="2">
+            <a:schemeClr val="accent2"/>
+          </a:fillRef>
+          <a:effectRef idx="1">
+            <a:schemeClr val="accent2"/>
+          </a:effectRef>
+          <a:fontRef idx="minor">
+            <a:schemeClr val="dk1"/>
+          </a:fontRef>
+        </p:style>
+        <p:txBody>
+          <a:bodyPr rtlCol="0" anchor="ctr"/>
+          <a:lstStyle/>
+          <a:p>
+            <a:pPr algn="ctr"/>
+            <a:endParaRPr kumimoji="1" lang="ja-JP" altLang="en-US"/>
+          </a:p>
+        </p:txBody>
+      </p:sp>
+      <p:sp>
+        <p:nvSpPr>
+          <p:cNvPr id="14" name="矢印: 左右 13">
+            <a:extLst>
+              <a:ext uri="{FF2B5EF4-FFF2-40B4-BE49-F238E27FC236}">
+                <a16:creationId xmlns:a16="http://schemas.microsoft.com/office/drawing/2014/main" id="{001B9BE7-25FF-5E04-65B8-A8DAD6D3CE2E}"/>
+              </a:ext>
+            </a:extLst>
+          </p:cNvPr>
+          <p:cNvSpPr/>
+          <p:nvPr/>
+        </p:nvSpPr>
+        <p:spPr>
+          <a:xfrm rot="2542934">
+            <a:off x="7164076" y="5097192"/>
+            <a:ext cx="1363733" cy="641350"/>
+          </a:xfrm>
+          <a:prstGeom prst="leftRightArrow">
+            <a:avLst>
+              <a:gd name="adj1" fmla="val 32225"/>
+              <a:gd name="adj2" fmla="val 50000"/>
+            </a:avLst>
+          </a:prstGeom>
+        </p:spPr>
+        <p:style>
+          <a:lnRef idx="1">
+            <a:schemeClr val="accent2"/>
+          </a:lnRef>
+          <a:fillRef idx="2">
+            <a:schemeClr val="accent2"/>
+          </a:fillRef>
+          <a:effectRef idx="1">
+            <a:schemeClr val="accent2"/>
+          </a:effectRef>
+          <a:fontRef idx="minor">
+            <a:schemeClr val="dk1"/>
+          </a:fontRef>
+        </p:style>
+        <p:txBody>
+          <a:bodyPr rtlCol="0" anchor="ctr"/>
+          <a:lstStyle/>
+          <a:p>
+            <a:pPr algn="ctr"/>
+            <a:endParaRPr kumimoji="1" lang="ja-JP" altLang="en-US" dirty="0"/>
+          </a:p>
+        </p:txBody>
+      </p:sp>
+    </p:spTree>
+    <p:extLst>
+      <p:ext uri="{BB962C8B-B14F-4D97-AF65-F5344CB8AC3E}">
+        <p14:creationId xmlns:p14="http://schemas.microsoft.com/office/powerpoint/2010/main" val="1707604166"/>
+      </p:ext>
+    </p:extLst>
+  </p:cSld>
+  <p:clrMapOvr>
+    <a:masterClrMapping/>
+  </p:clrMapOvr>
+</p:sld>
+</file>
+
+<file path=ppt/slides/slide4.xml><?xml version="1.0" encoding="utf-8"?>
 <p:sld xmlns:a="http://schemas.openxmlformats.org/drawingml/2006/main" xmlns:r="http://schemas.openxmlformats.org/officeDocument/2006/relationships" xmlns:p="http://schemas.openxmlformats.org/presentationml/2006/main">
   <p:cSld>
     <p:spTree>

--- a/家計簿_岩下暢秀.pptx
+++ b/家計簿_岩下暢秀.pptx
@@ -8,7 +8,12 @@
     <p:sldId id="256" r:id="rId2"/>
     <p:sldId id="258" r:id="rId3"/>
     <p:sldId id="260" r:id="rId4"/>
-    <p:sldId id="259" r:id="rId5"/>
+    <p:sldId id="261" r:id="rId5"/>
+    <p:sldId id="262" r:id="rId6"/>
+    <p:sldId id="263" r:id="rId7"/>
+    <p:sldId id="264" r:id="rId8"/>
+    <p:sldId id="265" r:id="rId9"/>
+    <p:sldId id="259" r:id="rId10"/>
   </p:sldIdLst>
   <p:sldSz cx="12192000" cy="6858000"/>
   <p:notesSz cx="6858000" cy="9144000"/>
@@ -4306,6 +4311,668 @@
 </file>
 
 <file path=ppt/slides/slide4.xml><?xml version="1.0" encoding="utf-8"?>
+<p:sld xmlns:a="http://schemas.openxmlformats.org/drawingml/2006/main" xmlns:r="http://schemas.openxmlformats.org/officeDocument/2006/relationships" xmlns:p="http://schemas.openxmlformats.org/presentationml/2006/main">
+  <p:cSld>
+    <p:spTree>
+      <p:nvGrpSpPr>
+        <p:cNvPr id="1" name=""/>
+        <p:cNvGrpSpPr/>
+        <p:nvPr/>
+      </p:nvGrpSpPr>
+      <p:grpSpPr>
+        <a:xfrm>
+          <a:off x="0" y="0"/>
+          <a:ext cx="0" cy="0"/>
+          <a:chOff x="0" y="0"/>
+          <a:chExt cx="0" cy="0"/>
+        </a:xfrm>
+      </p:grpSpPr>
+      <p:sp>
+        <p:nvSpPr>
+          <p:cNvPr id="2" name="タイトル 1">
+            <a:extLst>
+              <a:ext uri="{FF2B5EF4-FFF2-40B4-BE49-F238E27FC236}">
+                <a16:creationId xmlns:a16="http://schemas.microsoft.com/office/drawing/2014/main" id="{8C29AEAB-CDB2-353A-1757-9156A88B5B8A}"/>
+              </a:ext>
+            </a:extLst>
+          </p:cNvPr>
+          <p:cNvSpPr>
+            <a:spLocks noGrp="1"/>
+          </p:cNvSpPr>
+          <p:nvPr>
+            <p:ph type="title"/>
+          </p:nvPr>
+        </p:nvSpPr>
+        <p:spPr/>
+        <p:txBody>
+          <a:bodyPr/>
+          <a:lstStyle/>
+          <a:p>
+            <a:r>
+              <a:rPr kumimoji="1" lang="ja-JP" altLang="en-US" b="1" dirty="0"/>
+              <a:t>ホーム画面</a:t>
+            </a:r>
+          </a:p>
+        </p:txBody>
+      </p:sp>
+      <p:pic>
+        <p:nvPicPr>
+          <p:cNvPr id="5" name="コンテンツ プレースホルダー 4" descr="グラフィカル ユーザー インターフェイス, テキスト, アプリケーション, チャットまたはテキスト メッセージ&#10;&#10;AI 生成コンテンツは誤りを含む可能性があります。">
+            <a:extLst>
+              <a:ext uri="{FF2B5EF4-FFF2-40B4-BE49-F238E27FC236}">
+                <a16:creationId xmlns:a16="http://schemas.microsoft.com/office/drawing/2014/main" id="{A3C16E94-C899-0E4D-BAB2-CAB4CDF6B6BF}"/>
+              </a:ext>
+            </a:extLst>
+          </p:cNvPr>
+          <p:cNvPicPr>
+            <a:picLocks noGrp="1" noChangeAspect="1"/>
+          </p:cNvPicPr>
+          <p:nvPr>
+            <p:ph idx="1"/>
+          </p:nvPr>
+        </p:nvPicPr>
+        <p:blipFill>
+          <a:blip r:embed="rId2">
+            <a:extLst>
+              <a:ext uri="{28A0092B-C50C-407E-A947-70E740481C1C}">
+                <a14:useLocalDpi xmlns:a14="http://schemas.microsoft.com/office/drawing/2010/main" val="0"/>
+              </a:ext>
+            </a:extLst>
+          </a:blip>
+          <a:stretch>
+            <a:fillRect/>
+          </a:stretch>
+        </p:blipFill>
+        <p:spPr>
+          <a:xfrm>
+            <a:off x="838199" y="1383173"/>
+            <a:ext cx="9328355" cy="4113059"/>
+          </a:xfrm>
+        </p:spPr>
+      </p:pic>
+      <p:sp>
+        <p:nvSpPr>
+          <p:cNvPr id="6" name="テキスト ボックス 5">
+            <a:extLst>
+              <a:ext uri="{FF2B5EF4-FFF2-40B4-BE49-F238E27FC236}">
+                <a16:creationId xmlns:a16="http://schemas.microsoft.com/office/drawing/2014/main" id="{B6EC3C97-C83D-DF83-19F0-8732426D684D}"/>
+              </a:ext>
+            </a:extLst>
+          </p:cNvPr>
+          <p:cNvSpPr txBox="1"/>
+          <p:nvPr/>
+        </p:nvSpPr>
+        <p:spPr>
+          <a:xfrm>
+            <a:off x="964788" y="5651807"/>
+            <a:ext cx="9075175" cy="584775"/>
+          </a:xfrm>
+          <a:prstGeom prst="rect">
+            <a:avLst/>
+          </a:prstGeom>
+          <a:noFill/>
+        </p:spPr>
+        <p:txBody>
+          <a:bodyPr wrap="square" rtlCol="0">
+            <a:spAutoFit/>
+          </a:bodyPr>
+          <a:lstStyle/>
+          <a:p>
+            <a:r>
+              <a:rPr lang="ja-JP" altLang="en-US" sz="3200" dirty="0"/>
+              <a:t>４</a:t>
+            </a:r>
+            <a:r>
+              <a:rPr kumimoji="1" lang="ja-JP" altLang="en-US" sz="3200" dirty="0"/>
+              <a:t>つの主要機能を選択する画面です。</a:t>
+            </a:r>
+          </a:p>
+        </p:txBody>
+      </p:sp>
+    </p:spTree>
+    <p:extLst>
+      <p:ext uri="{BB962C8B-B14F-4D97-AF65-F5344CB8AC3E}">
+        <p14:creationId xmlns:p14="http://schemas.microsoft.com/office/powerpoint/2010/main" val="593840663"/>
+      </p:ext>
+    </p:extLst>
+  </p:cSld>
+  <p:clrMapOvr>
+    <a:masterClrMapping/>
+  </p:clrMapOvr>
+</p:sld>
+</file>
+
+<file path=ppt/slides/slide5.xml><?xml version="1.0" encoding="utf-8"?>
+<p:sld xmlns:a="http://schemas.openxmlformats.org/drawingml/2006/main" xmlns:r="http://schemas.openxmlformats.org/officeDocument/2006/relationships" xmlns:p="http://schemas.openxmlformats.org/presentationml/2006/main">
+  <p:cSld>
+    <p:spTree>
+      <p:nvGrpSpPr>
+        <p:cNvPr id="1" name=""/>
+        <p:cNvGrpSpPr/>
+        <p:nvPr/>
+      </p:nvGrpSpPr>
+      <p:grpSpPr>
+        <a:xfrm>
+          <a:off x="0" y="0"/>
+          <a:ext cx="0" cy="0"/>
+          <a:chOff x="0" y="0"/>
+          <a:chExt cx="0" cy="0"/>
+        </a:xfrm>
+      </p:grpSpPr>
+      <p:sp>
+        <p:nvSpPr>
+          <p:cNvPr id="2" name="タイトル 1">
+            <a:extLst>
+              <a:ext uri="{FF2B5EF4-FFF2-40B4-BE49-F238E27FC236}">
+                <a16:creationId xmlns:a16="http://schemas.microsoft.com/office/drawing/2014/main" id="{A311D29F-EBA9-1083-97DB-863D66F6515A}"/>
+              </a:ext>
+            </a:extLst>
+          </p:cNvPr>
+          <p:cNvSpPr>
+            <a:spLocks noGrp="1"/>
+          </p:cNvSpPr>
+          <p:nvPr>
+            <p:ph type="title"/>
+          </p:nvPr>
+        </p:nvSpPr>
+        <p:spPr/>
+        <p:txBody>
+          <a:bodyPr/>
+          <a:lstStyle/>
+          <a:p>
+            <a:r>
+              <a:rPr kumimoji="1" lang="ja-JP" altLang="en-US" b="1" dirty="0"/>
+              <a:t>収入入力画面</a:t>
+            </a:r>
+          </a:p>
+        </p:txBody>
+      </p:sp>
+      <p:pic>
+        <p:nvPicPr>
+          <p:cNvPr id="5" name="コンテンツ プレースホルダー 4" descr="グラフィカル ユーザー インターフェイス, アプリケーション&#10;&#10;AI 生成コンテンツは誤りを含む可能性があります。">
+            <a:extLst>
+              <a:ext uri="{FF2B5EF4-FFF2-40B4-BE49-F238E27FC236}">
+                <a16:creationId xmlns:a16="http://schemas.microsoft.com/office/drawing/2014/main" id="{70E8107C-7245-5727-7492-1838240F5164}"/>
+              </a:ext>
+            </a:extLst>
+          </p:cNvPr>
+          <p:cNvPicPr>
+            <a:picLocks noGrp="1" noChangeAspect="1"/>
+          </p:cNvPicPr>
+          <p:nvPr>
+            <p:ph idx="1"/>
+          </p:nvPr>
+        </p:nvPicPr>
+        <p:blipFill>
+          <a:blip r:embed="rId2">
+            <a:extLst>
+              <a:ext uri="{28A0092B-C50C-407E-A947-70E740481C1C}">
+                <a14:useLocalDpi xmlns:a14="http://schemas.microsoft.com/office/drawing/2010/main" val="0"/>
+              </a:ext>
+            </a:extLst>
+          </a:blip>
+          <a:stretch>
+            <a:fillRect/>
+          </a:stretch>
+        </p:blipFill>
+        <p:spPr>
+          <a:xfrm>
+            <a:off x="838200" y="1466151"/>
+            <a:ext cx="10515600" cy="3241485"/>
+          </a:xfrm>
+        </p:spPr>
+      </p:pic>
+      <p:sp>
+        <p:nvSpPr>
+          <p:cNvPr id="6" name="テキスト ボックス 5">
+            <a:extLst>
+              <a:ext uri="{FF2B5EF4-FFF2-40B4-BE49-F238E27FC236}">
+                <a16:creationId xmlns:a16="http://schemas.microsoft.com/office/drawing/2014/main" id="{E7A77EC0-529D-5847-86C4-7DD64748CE39}"/>
+              </a:ext>
+            </a:extLst>
+          </p:cNvPr>
+          <p:cNvSpPr txBox="1"/>
+          <p:nvPr/>
+        </p:nvSpPr>
+        <p:spPr>
+          <a:xfrm>
+            <a:off x="838200" y="4945626"/>
+            <a:ext cx="10515600" cy="1077218"/>
+          </a:xfrm>
+          <a:prstGeom prst="rect">
+            <a:avLst/>
+          </a:prstGeom>
+          <a:noFill/>
+        </p:spPr>
+        <p:txBody>
+          <a:bodyPr wrap="square" rtlCol="0">
+            <a:spAutoFit/>
+          </a:bodyPr>
+          <a:lstStyle/>
+          <a:p>
+            <a:r>
+              <a:rPr kumimoji="1" lang="ja-JP" altLang="en-US" sz="3200" dirty="0"/>
+              <a:t>カテゴリ、金額、必要に応じてメモ、日付を入力して</a:t>
+            </a:r>
+            <a:endParaRPr kumimoji="1" lang="en-US" altLang="ja-JP" sz="3200" dirty="0"/>
+          </a:p>
+          <a:p>
+            <a:r>
+              <a:rPr kumimoji="1" lang="ja-JP" altLang="en-US" sz="3200" dirty="0"/>
+              <a:t>収入内容を保存できます。</a:t>
+            </a:r>
+          </a:p>
+        </p:txBody>
+      </p:sp>
+    </p:spTree>
+    <p:extLst>
+      <p:ext uri="{BB962C8B-B14F-4D97-AF65-F5344CB8AC3E}">
+        <p14:creationId xmlns:p14="http://schemas.microsoft.com/office/powerpoint/2010/main" val="2252341872"/>
+      </p:ext>
+    </p:extLst>
+  </p:cSld>
+  <p:clrMapOvr>
+    <a:masterClrMapping/>
+  </p:clrMapOvr>
+</p:sld>
+</file>
+
+<file path=ppt/slides/slide6.xml><?xml version="1.0" encoding="utf-8"?>
+<p:sld xmlns:a="http://schemas.openxmlformats.org/drawingml/2006/main" xmlns:r="http://schemas.openxmlformats.org/officeDocument/2006/relationships" xmlns:p="http://schemas.openxmlformats.org/presentationml/2006/main">
+  <p:cSld>
+    <p:spTree>
+      <p:nvGrpSpPr>
+        <p:cNvPr id="1" name=""/>
+        <p:cNvGrpSpPr/>
+        <p:nvPr/>
+      </p:nvGrpSpPr>
+      <p:grpSpPr>
+        <a:xfrm>
+          <a:off x="0" y="0"/>
+          <a:ext cx="0" cy="0"/>
+          <a:chOff x="0" y="0"/>
+          <a:chExt cx="0" cy="0"/>
+        </a:xfrm>
+      </p:grpSpPr>
+      <p:sp>
+        <p:nvSpPr>
+          <p:cNvPr id="2" name="タイトル 1">
+            <a:extLst>
+              <a:ext uri="{FF2B5EF4-FFF2-40B4-BE49-F238E27FC236}">
+                <a16:creationId xmlns:a16="http://schemas.microsoft.com/office/drawing/2014/main" id="{A661B7DB-39A5-82CE-6C08-4368605343CB}"/>
+              </a:ext>
+            </a:extLst>
+          </p:cNvPr>
+          <p:cNvSpPr>
+            <a:spLocks noGrp="1"/>
+          </p:cNvSpPr>
+          <p:nvPr>
+            <p:ph type="title"/>
+          </p:nvPr>
+        </p:nvSpPr>
+        <p:spPr/>
+        <p:txBody>
+          <a:bodyPr/>
+          <a:lstStyle/>
+          <a:p>
+            <a:r>
+              <a:rPr kumimoji="1" lang="ja-JP" altLang="en-US" b="1" dirty="0"/>
+              <a:t>支出入力画面</a:t>
+            </a:r>
+          </a:p>
+        </p:txBody>
+      </p:sp>
+      <p:pic>
+        <p:nvPicPr>
+          <p:cNvPr id="5" name="コンテンツ プレースホルダー 4" descr="グラフィカル ユーザー インターフェイス, アプリケーション, Teams&#10;&#10;AI 生成コンテンツは誤りを含む可能性があります。">
+            <a:extLst>
+              <a:ext uri="{FF2B5EF4-FFF2-40B4-BE49-F238E27FC236}">
+                <a16:creationId xmlns:a16="http://schemas.microsoft.com/office/drawing/2014/main" id="{F0734F18-917B-90C5-B780-B14FB42A7037}"/>
+              </a:ext>
+            </a:extLst>
+          </p:cNvPr>
+          <p:cNvPicPr>
+            <a:picLocks noGrp="1" noChangeAspect="1"/>
+          </p:cNvPicPr>
+          <p:nvPr>
+            <p:ph idx="1"/>
+          </p:nvPr>
+        </p:nvPicPr>
+        <p:blipFill>
+          <a:blip r:embed="rId2">
+            <a:extLst>
+              <a:ext uri="{28A0092B-C50C-407E-A947-70E740481C1C}">
+                <a14:useLocalDpi xmlns:a14="http://schemas.microsoft.com/office/drawing/2010/main" val="0"/>
+              </a:ext>
+            </a:extLst>
+          </a:blip>
+          <a:stretch>
+            <a:fillRect/>
+          </a:stretch>
+        </p:blipFill>
+        <p:spPr>
+          <a:xfrm>
+            <a:off x="838200" y="1367041"/>
+            <a:ext cx="10515600" cy="3125074"/>
+          </a:xfrm>
+        </p:spPr>
+      </p:pic>
+      <p:sp>
+        <p:nvSpPr>
+          <p:cNvPr id="7" name="テキスト ボックス 6">
+            <a:extLst>
+              <a:ext uri="{FF2B5EF4-FFF2-40B4-BE49-F238E27FC236}">
+                <a16:creationId xmlns:a16="http://schemas.microsoft.com/office/drawing/2014/main" id="{5D74EB61-8A22-0EC6-D113-04444F07D94D}"/>
+              </a:ext>
+            </a:extLst>
+          </p:cNvPr>
+          <p:cNvSpPr txBox="1"/>
+          <p:nvPr/>
+        </p:nvSpPr>
+        <p:spPr>
+          <a:xfrm>
+            <a:off x="983226" y="4689987"/>
+            <a:ext cx="10274709" cy="1077218"/>
+          </a:xfrm>
+          <a:prstGeom prst="rect">
+            <a:avLst/>
+          </a:prstGeom>
+          <a:noFill/>
+        </p:spPr>
+        <p:txBody>
+          <a:bodyPr wrap="square" rtlCol="0">
+            <a:spAutoFit/>
+          </a:bodyPr>
+          <a:lstStyle/>
+          <a:p>
+            <a:r>
+              <a:rPr lang="ja-JP" altLang="en-US" sz="3200" dirty="0"/>
+              <a:t>カテゴリ、金額、必要に応じてメモ、日付を入力して</a:t>
+            </a:r>
+            <a:endParaRPr lang="en-US" altLang="ja-JP" sz="3200" dirty="0"/>
+          </a:p>
+          <a:p>
+            <a:r>
+              <a:rPr lang="ja-JP" altLang="en-US" sz="3200" dirty="0"/>
+              <a:t>支出内容を保存できます。</a:t>
+            </a:r>
+          </a:p>
+        </p:txBody>
+      </p:sp>
+    </p:spTree>
+    <p:extLst>
+      <p:ext uri="{BB962C8B-B14F-4D97-AF65-F5344CB8AC3E}">
+        <p14:creationId xmlns:p14="http://schemas.microsoft.com/office/powerpoint/2010/main" val="656230891"/>
+      </p:ext>
+    </p:extLst>
+  </p:cSld>
+  <p:clrMapOvr>
+    <a:masterClrMapping/>
+  </p:clrMapOvr>
+</p:sld>
+</file>
+
+<file path=ppt/slides/slide7.xml><?xml version="1.0" encoding="utf-8"?>
+<p:sld xmlns:a="http://schemas.openxmlformats.org/drawingml/2006/main" xmlns:r="http://schemas.openxmlformats.org/officeDocument/2006/relationships" xmlns:p="http://schemas.openxmlformats.org/presentationml/2006/main">
+  <p:cSld>
+    <p:spTree>
+      <p:nvGrpSpPr>
+        <p:cNvPr id="1" name=""/>
+        <p:cNvGrpSpPr/>
+        <p:nvPr/>
+      </p:nvGrpSpPr>
+      <p:grpSpPr>
+        <a:xfrm>
+          <a:off x="0" y="0"/>
+          <a:ext cx="0" cy="0"/>
+          <a:chOff x="0" y="0"/>
+          <a:chExt cx="0" cy="0"/>
+        </a:xfrm>
+      </p:grpSpPr>
+      <p:sp>
+        <p:nvSpPr>
+          <p:cNvPr id="2" name="タイトル 1">
+            <a:extLst>
+              <a:ext uri="{FF2B5EF4-FFF2-40B4-BE49-F238E27FC236}">
+                <a16:creationId xmlns:a16="http://schemas.microsoft.com/office/drawing/2014/main" id="{7EB03CD7-3ABA-103F-2A5D-9B60CC79A834}"/>
+              </a:ext>
+            </a:extLst>
+          </p:cNvPr>
+          <p:cNvSpPr>
+            <a:spLocks noGrp="1"/>
+          </p:cNvSpPr>
+          <p:nvPr>
+            <p:ph type="title"/>
+          </p:nvPr>
+        </p:nvSpPr>
+        <p:spPr/>
+        <p:txBody>
+          <a:bodyPr/>
+          <a:lstStyle/>
+          <a:p>
+            <a:r>
+              <a:rPr kumimoji="1" lang="ja-JP" altLang="en-US" b="1" dirty="0"/>
+              <a:t>収支確認画面</a:t>
+            </a:r>
+          </a:p>
+        </p:txBody>
+      </p:sp>
+      <p:pic>
+        <p:nvPicPr>
+          <p:cNvPr id="5" name="コンテンツ プレースホルダー 4" descr="グラフ, バブル チャート&#10;&#10;AI 生成コンテンツは誤りを含む可能性があります。">
+            <a:extLst>
+              <a:ext uri="{FF2B5EF4-FFF2-40B4-BE49-F238E27FC236}">
+                <a16:creationId xmlns:a16="http://schemas.microsoft.com/office/drawing/2014/main" id="{101C464A-FF3B-D6C4-FC9D-4D0564F136CD}"/>
+              </a:ext>
+            </a:extLst>
+          </p:cNvPr>
+          <p:cNvPicPr>
+            <a:picLocks noGrp="1" noChangeAspect="1"/>
+          </p:cNvPicPr>
+          <p:nvPr>
+            <p:ph idx="1"/>
+          </p:nvPr>
+        </p:nvPicPr>
+        <p:blipFill>
+          <a:blip r:embed="rId2">
+            <a:extLst>
+              <a:ext uri="{28A0092B-C50C-407E-A947-70E740481C1C}">
+                <a14:useLocalDpi xmlns:a14="http://schemas.microsoft.com/office/drawing/2010/main" val="0"/>
+              </a:ext>
+            </a:extLst>
+          </a:blip>
+          <a:stretch>
+            <a:fillRect/>
+          </a:stretch>
+        </p:blipFill>
+        <p:spPr>
+          <a:xfrm>
+            <a:off x="1466968" y="1402838"/>
+            <a:ext cx="9258063" cy="3945910"/>
+          </a:xfrm>
+        </p:spPr>
+      </p:pic>
+      <p:sp>
+        <p:nvSpPr>
+          <p:cNvPr id="6" name="テキスト ボックス 5">
+            <a:extLst>
+              <a:ext uri="{FF2B5EF4-FFF2-40B4-BE49-F238E27FC236}">
+                <a16:creationId xmlns:a16="http://schemas.microsoft.com/office/drawing/2014/main" id="{BCC6235B-D1B2-9556-9A6A-4278F3AC26DE}"/>
+              </a:ext>
+            </a:extLst>
+          </p:cNvPr>
+          <p:cNvSpPr txBox="1"/>
+          <p:nvPr/>
+        </p:nvSpPr>
+        <p:spPr>
+          <a:xfrm>
+            <a:off x="1466968" y="5643716"/>
+            <a:ext cx="9448800" cy="584775"/>
+          </a:xfrm>
+          <a:prstGeom prst="rect">
+            <a:avLst/>
+          </a:prstGeom>
+          <a:noFill/>
+        </p:spPr>
+        <p:txBody>
+          <a:bodyPr wrap="square" rtlCol="0">
+            <a:spAutoFit/>
+          </a:bodyPr>
+          <a:lstStyle/>
+          <a:p>
+            <a:r>
+              <a:rPr kumimoji="1" lang="ja-JP" altLang="en-US" sz="3200" dirty="0"/>
+              <a:t>全期間か月ごとかを選択して収支を確認できます</a:t>
+            </a:r>
+            <a:r>
+              <a:rPr kumimoji="1" lang="ja-JP" altLang="en-US" dirty="0"/>
+              <a:t>。</a:t>
+            </a:r>
+          </a:p>
+        </p:txBody>
+      </p:sp>
+    </p:spTree>
+    <p:extLst>
+      <p:ext uri="{BB962C8B-B14F-4D97-AF65-F5344CB8AC3E}">
+        <p14:creationId xmlns:p14="http://schemas.microsoft.com/office/powerpoint/2010/main" val="1164533477"/>
+      </p:ext>
+    </p:extLst>
+  </p:cSld>
+  <p:clrMapOvr>
+    <a:masterClrMapping/>
+  </p:clrMapOvr>
+</p:sld>
+</file>
+
+<file path=ppt/slides/slide8.xml><?xml version="1.0" encoding="utf-8"?>
+<p:sld xmlns:a="http://schemas.openxmlformats.org/drawingml/2006/main" xmlns:r="http://schemas.openxmlformats.org/officeDocument/2006/relationships" xmlns:p="http://schemas.openxmlformats.org/presentationml/2006/main">
+  <p:cSld>
+    <p:spTree>
+      <p:nvGrpSpPr>
+        <p:cNvPr id="1" name=""/>
+        <p:cNvGrpSpPr/>
+        <p:nvPr/>
+      </p:nvGrpSpPr>
+      <p:grpSpPr>
+        <a:xfrm>
+          <a:off x="0" y="0"/>
+          <a:ext cx="0" cy="0"/>
+          <a:chOff x="0" y="0"/>
+          <a:chExt cx="0" cy="0"/>
+        </a:xfrm>
+      </p:grpSpPr>
+      <p:sp>
+        <p:nvSpPr>
+          <p:cNvPr id="2" name="タイトル 1">
+            <a:extLst>
+              <a:ext uri="{FF2B5EF4-FFF2-40B4-BE49-F238E27FC236}">
+                <a16:creationId xmlns:a16="http://schemas.microsoft.com/office/drawing/2014/main" id="{1047501F-61A7-6C04-EB6B-31145391D89D}"/>
+              </a:ext>
+            </a:extLst>
+          </p:cNvPr>
+          <p:cNvSpPr>
+            <a:spLocks noGrp="1"/>
+          </p:cNvSpPr>
+          <p:nvPr>
+            <p:ph type="title"/>
+          </p:nvPr>
+        </p:nvSpPr>
+        <p:spPr/>
+        <p:txBody>
+          <a:bodyPr/>
+          <a:lstStyle/>
+          <a:p>
+            <a:r>
+              <a:rPr kumimoji="1" lang="ja-JP" altLang="en-US" b="1" dirty="0"/>
+              <a:t>収支比較画面</a:t>
+            </a:r>
+          </a:p>
+        </p:txBody>
+      </p:sp>
+      <p:pic>
+        <p:nvPicPr>
+          <p:cNvPr id="5" name="コンテンツ プレースホルダー 4" descr="グラフィカル ユーザー インターフェイス, テキスト, アプリケーション, チャットまたはテキスト メッセージ&#10;&#10;AI 生成コンテンツは誤りを含む可能性があります。">
+            <a:extLst>
+              <a:ext uri="{FF2B5EF4-FFF2-40B4-BE49-F238E27FC236}">
+                <a16:creationId xmlns:a16="http://schemas.microsoft.com/office/drawing/2014/main" id="{361BEDF4-3C92-934F-2A4D-FE4BC36738E7}"/>
+              </a:ext>
+            </a:extLst>
+          </p:cNvPr>
+          <p:cNvPicPr>
+            <a:picLocks noGrp="1" noChangeAspect="1"/>
+          </p:cNvPicPr>
+          <p:nvPr>
+            <p:ph idx="1"/>
+          </p:nvPr>
+        </p:nvPicPr>
+        <p:blipFill>
+          <a:blip r:embed="rId2">
+            <a:extLst>
+              <a:ext uri="{28A0092B-C50C-407E-A947-70E740481C1C}">
+                <a14:useLocalDpi xmlns:a14="http://schemas.microsoft.com/office/drawing/2010/main" val="0"/>
+              </a:ext>
+            </a:extLst>
+          </a:blip>
+          <a:stretch>
+            <a:fillRect/>
+          </a:stretch>
+        </p:blipFill>
+        <p:spPr>
+          <a:xfrm>
+            <a:off x="1497863" y="1442167"/>
+            <a:ext cx="9196274" cy="4142556"/>
+          </a:xfrm>
+        </p:spPr>
+      </p:pic>
+      <p:sp>
+        <p:nvSpPr>
+          <p:cNvPr id="6" name="テキスト ボックス 5">
+            <a:extLst>
+              <a:ext uri="{FF2B5EF4-FFF2-40B4-BE49-F238E27FC236}">
+                <a16:creationId xmlns:a16="http://schemas.microsoft.com/office/drawing/2014/main" id="{91A0B843-5E1F-B42B-1C0B-D250EA9735D4}"/>
+              </a:ext>
+            </a:extLst>
+          </p:cNvPr>
+          <p:cNvSpPr txBox="1"/>
+          <p:nvPr/>
+        </p:nvSpPr>
+        <p:spPr>
+          <a:xfrm>
+            <a:off x="1497863" y="5683046"/>
+            <a:ext cx="9120976" cy="1077218"/>
+          </a:xfrm>
+          <a:prstGeom prst="rect">
+            <a:avLst/>
+          </a:prstGeom>
+          <a:noFill/>
+        </p:spPr>
+        <p:txBody>
+          <a:bodyPr wrap="square" rtlCol="0">
+            <a:spAutoFit/>
+          </a:bodyPr>
+          <a:lstStyle/>
+          <a:p>
+            <a:r>
+              <a:rPr kumimoji="1" lang="ja-JP" altLang="en-US" sz="3200" dirty="0"/>
+              <a:t>収入や支出、収支を月ごとや全期間で比較することができます。</a:t>
+            </a:r>
+          </a:p>
+        </p:txBody>
+      </p:sp>
+    </p:spTree>
+    <p:extLst>
+      <p:ext uri="{BB962C8B-B14F-4D97-AF65-F5344CB8AC3E}">
+        <p14:creationId xmlns:p14="http://schemas.microsoft.com/office/powerpoint/2010/main" val="3283519054"/>
+      </p:ext>
+    </p:extLst>
+  </p:cSld>
+  <p:clrMapOvr>
+    <a:masterClrMapping/>
+  </p:clrMapOvr>
+</p:sld>
+</file>
+
+<file path=ppt/slides/slide9.xml><?xml version="1.0" encoding="utf-8"?>
 <p:sld xmlns:a="http://schemas.openxmlformats.org/drawingml/2006/main" xmlns:r="http://schemas.openxmlformats.org/officeDocument/2006/relationships" xmlns:p="http://schemas.openxmlformats.org/presentationml/2006/main">
   <p:cSld>
     <p:spTree>

--- a/家計簿_岩下暢秀.pptx
+++ b/家計簿_岩下暢秀.pptx
@@ -13,7 +13,8 @@
     <p:sldId id="263" r:id="rId7"/>
     <p:sldId id="264" r:id="rId8"/>
     <p:sldId id="265" r:id="rId9"/>
-    <p:sldId id="259" r:id="rId10"/>
+    <p:sldId id="266" r:id="rId10"/>
+    <p:sldId id="259" r:id="rId11"/>
   </p:sldIdLst>
   <p:sldSz cx="12192000" cy="6858000"/>
   <p:notesSz cx="6858000" cy="9144000"/>
@@ -267,7 +268,7 @@
           <a:p>
             <a:fld id="{6C1B74BB-44F4-4D39-8D67-EF23E4E6B2F0}" type="datetimeFigureOut">
               <a:rPr kumimoji="1" lang="ja-JP" altLang="en-US" smtClean="0"/>
-              <a:t>2025/7/7</a:t>
+              <a:t>2025/7/9</a:t>
             </a:fld>
             <a:endParaRPr kumimoji="1" lang="ja-JP" altLang="en-US"/>
           </a:p>
@@ -497,7 +498,7 @@
           <a:p>
             <a:fld id="{6C1B74BB-44F4-4D39-8D67-EF23E4E6B2F0}" type="datetimeFigureOut">
               <a:rPr kumimoji="1" lang="ja-JP" altLang="en-US" smtClean="0"/>
-              <a:t>2025/7/7</a:t>
+              <a:t>2025/7/9</a:t>
             </a:fld>
             <a:endParaRPr kumimoji="1" lang="ja-JP" altLang="en-US"/>
           </a:p>
@@ -737,7 +738,7 @@
           <a:p>
             <a:fld id="{6C1B74BB-44F4-4D39-8D67-EF23E4E6B2F0}" type="datetimeFigureOut">
               <a:rPr kumimoji="1" lang="ja-JP" altLang="en-US" smtClean="0"/>
-              <a:t>2025/7/7</a:t>
+              <a:t>2025/7/9</a:t>
             </a:fld>
             <a:endParaRPr kumimoji="1" lang="ja-JP" altLang="en-US"/>
           </a:p>
@@ -967,7 +968,7 @@
           <a:p>
             <a:fld id="{6C1B74BB-44F4-4D39-8D67-EF23E4E6B2F0}" type="datetimeFigureOut">
               <a:rPr kumimoji="1" lang="ja-JP" altLang="en-US" smtClean="0"/>
-              <a:t>2025/7/7</a:t>
+              <a:t>2025/7/9</a:t>
             </a:fld>
             <a:endParaRPr kumimoji="1" lang="ja-JP" altLang="en-US"/>
           </a:p>
@@ -1242,7 +1243,7 @@
           <a:p>
             <a:fld id="{6C1B74BB-44F4-4D39-8D67-EF23E4E6B2F0}" type="datetimeFigureOut">
               <a:rPr kumimoji="1" lang="ja-JP" altLang="en-US" smtClean="0"/>
-              <a:t>2025/7/7</a:t>
+              <a:t>2025/7/9</a:t>
             </a:fld>
             <a:endParaRPr kumimoji="1" lang="ja-JP" altLang="en-US"/>
           </a:p>
@@ -1571,7 +1572,7 @@
           <a:p>
             <a:fld id="{6C1B74BB-44F4-4D39-8D67-EF23E4E6B2F0}" type="datetimeFigureOut">
               <a:rPr kumimoji="1" lang="ja-JP" altLang="en-US" smtClean="0"/>
-              <a:t>2025/7/7</a:t>
+              <a:t>2025/7/9</a:t>
             </a:fld>
             <a:endParaRPr kumimoji="1" lang="ja-JP" altLang="en-US"/>
           </a:p>
@@ -2047,7 +2048,7 @@
           <a:p>
             <a:fld id="{6C1B74BB-44F4-4D39-8D67-EF23E4E6B2F0}" type="datetimeFigureOut">
               <a:rPr kumimoji="1" lang="ja-JP" altLang="en-US" smtClean="0"/>
-              <a:t>2025/7/7</a:t>
+              <a:t>2025/7/9</a:t>
             </a:fld>
             <a:endParaRPr kumimoji="1" lang="ja-JP" altLang="en-US"/>
           </a:p>
@@ -2188,7 +2189,7 @@
           <a:p>
             <a:fld id="{6C1B74BB-44F4-4D39-8D67-EF23E4E6B2F0}" type="datetimeFigureOut">
               <a:rPr kumimoji="1" lang="ja-JP" altLang="en-US" smtClean="0"/>
-              <a:t>2025/7/7</a:t>
+              <a:t>2025/7/9</a:t>
             </a:fld>
             <a:endParaRPr kumimoji="1" lang="ja-JP" altLang="en-US"/>
           </a:p>
@@ -2301,7 +2302,7 @@
           <a:p>
             <a:fld id="{6C1B74BB-44F4-4D39-8D67-EF23E4E6B2F0}" type="datetimeFigureOut">
               <a:rPr kumimoji="1" lang="ja-JP" altLang="en-US" smtClean="0"/>
-              <a:t>2025/7/7</a:t>
+              <a:t>2025/7/9</a:t>
             </a:fld>
             <a:endParaRPr kumimoji="1" lang="ja-JP" altLang="en-US"/>
           </a:p>
@@ -2644,7 +2645,7 @@
           <a:p>
             <a:fld id="{6C1B74BB-44F4-4D39-8D67-EF23E4E6B2F0}" type="datetimeFigureOut">
               <a:rPr kumimoji="1" lang="ja-JP" altLang="en-US" smtClean="0"/>
-              <a:t>2025/7/7</a:t>
+              <a:t>2025/7/9</a:t>
             </a:fld>
             <a:endParaRPr kumimoji="1" lang="ja-JP" altLang="en-US"/>
           </a:p>
@@ -2932,7 +2933,7 @@
           <a:p>
             <a:fld id="{6C1B74BB-44F4-4D39-8D67-EF23E4E6B2F0}" type="datetimeFigureOut">
               <a:rPr kumimoji="1" lang="ja-JP" altLang="en-US" smtClean="0"/>
-              <a:t>2025/7/7</a:t>
+              <a:t>2025/7/9</a:t>
             </a:fld>
             <a:endParaRPr kumimoji="1" lang="ja-JP" altLang="en-US"/>
           </a:p>
@@ -3205,7 +3206,7 @@
           <a:p>
             <a:fld id="{6C1B74BB-44F4-4D39-8D67-EF23E4E6B2F0}" type="datetimeFigureOut">
               <a:rPr kumimoji="1" lang="ja-JP" altLang="en-US" smtClean="0"/>
-              <a:t>2025/7/7</a:t>
+              <a:t>2025/7/9</a:t>
             </a:fld>
             <a:endParaRPr kumimoji="1" lang="ja-JP" altLang="en-US"/>
           </a:p>
@@ -3644,7 +3645,7 @@
           <a:lstStyle/>
           <a:p>
             <a:r>
-              <a:rPr lang="ja-JP" altLang="en-US" b="1" i="0">
+              <a:rPr lang="ja-JP" altLang="en-US" b="1" i="0" dirty="0">
                 <a:solidFill>
                   <a:srgbClr val="242424"/>
                 </a:solidFill>
@@ -3654,7 +3655,7 @@
               <a:t>モバイルアプリ制作実習</a:t>
             </a:r>
             <a:br>
-              <a:rPr lang="ja-JP" altLang="en-US" b="1" i="0">
+              <a:rPr lang="ja-JP" altLang="en-US" b="1" i="0" dirty="0">
                 <a:solidFill>
                   <a:srgbClr val="242424"/>
                 </a:solidFill>
@@ -3662,7 +3663,17 @@
                 <a:latin typeface="-apple-system"/>
               </a:rPr>
             </a:br>
-            <a:endParaRPr kumimoji="1" lang="ja-JP" altLang="en-US" dirty="0"/>
+            <a:r>
+              <a:rPr lang="ja-JP" altLang="en-US" sz="4400" b="1" i="0" dirty="0">
+                <a:solidFill>
+                  <a:srgbClr val="242424"/>
+                </a:solidFill>
+                <a:effectLst/>
+                <a:latin typeface="-apple-system"/>
+              </a:rPr>
+              <a:t>家計簿</a:t>
+            </a:r>
+            <a:endParaRPr kumimoji="1" lang="ja-JP" altLang="en-US" sz="4400" dirty="0"/>
           </a:p>
         </p:txBody>
       </p:sp>
@@ -3689,9 +3700,12 @@
           </a:bodyPr>
           <a:lstStyle/>
           <a:p>
-            <a:r>
-              <a:rPr kumimoji="1" lang="ja-JP" altLang="en-US" sz="4800"/>
-              <a:t>家計簿</a:t>
+            <a:endParaRPr kumimoji="1" lang="en-US" altLang="ja-JP" sz="4800" dirty="0"/>
+          </a:p>
+          <a:p>
+            <a:r>
+              <a:rPr lang="ja-JP" altLang="en-US" sz="4800" dirty="0"/>
+              <a:t>岩下暢秀</a:t>
             </a:r>
             <a:endParaRPr kumimoji="1" lang="ja-JP" altLang="en-US" sz="4800" dirty="0"/>
           </a:p>
@@ -3701,6 +3715,250 @@
     <p:extLst>
       <p:ext uri="{BB962C8B-B14F-4D97-AF65-F5344CB8AC3E}">
         <p14:creationId xmlns:p14="http://schemas.microsoft.com/office/powerpoint/2010/main" val="3447596556"/>
+      </p:ext>
+    </p:extLst>
+  </p:cSld>
+  <p:clrMapOvr>
+    <a:masterClrMapping/>
+  </p:clrMapOvr>
+</p:sld>
+</file>
+
+<file path=ppt/slides/slide10.xml><?xml version="1.0" encoding="utf-8"?>
+<p:sld xmlns:a="http://schemas.openxmlformats.org/drawingml/2006/main" xmlns:r="http://schemas.openxmlformats.org/officeDocument/2006/relationships" xmlns:p="http://schemas.openxmlformats.org/presentationml/2006/main">
+  <p:cSld>
+    <p:spTree>
+      <p:nvGrpSpPr>
+        <p:cNvPr id="1" name=""/>
+        <p:cNvGrpSpPr/>
+        <p:nvPr/>
+      </p:nvGrpSpPr>
+      <p:grpSpPr>
+        <a:xfrm>
+          <a:off x="0" y="0"/>
+          <a:ext cx="0" cy="0"/>
+          <a:chOff x="0" y="0"/>
+          <a:chExt cx="0" cy="0"/>
+        </a:xfrm>
+      </p:grpSpPr>
+      <p:sp>
+        <p:nvSpPr>
+          <p:cNvPr id="2" name="タイトル 1">
+            <a:extLst>
+              <a:ext uri="{FF2B5EF4-FFF2-40B4-BE49-F238E27FC236}">
+                <a16:creationId xmlns:a16="http://schemas.microsoft.com/office/drawing/2014/main" id="{34BDEE1D-9BD4-CFCB-4439-85B6630DDD84}"/>
+              </a:ext>
+            </a:extLst>
+          </p:cNvPr>
+          <p:cNvSpPr>
+            <a:spLocks noGrp="1"/>
+          </p:cNvSpPr>
+          <p:nvPr>
+            <p:ph type="title"/>
+          </p:nvPr>
+        </p:nvSpPr>
+        <p:spPr/>
+        <p:txBody>
+          <a:bodyPr/>
+          <a:lstStyle/>
+          <a:p>
+            <a:r>
+              <a:rPr kumimoji="1" lang="ja-JP" altLang="en-US" dirty="0"/>
+              <a:t>参考</a:t>
+            </a:r>
+            <a:r>
+              <a:rPr kumimoji="1" lang="en-US" altLang="ja-JP" dirty="0"/>
+              <a:t>URL</a:t>
+            </a:r>
+            <a:endParaRPr kumimoji="1" lang="ja-JP" altLang="en-US" dirty="0"/>
+          </a:p>
+        </p:txBody>
+      </p:sp>
+      <p:sp>
+        <p:nvSpPr>
+          <p:cNvPr id="3" name="コンテンツ プレースホルダー 2">
+            <a:extLst>
+              <a:ext uri="{FF2B5EF4-FFF2-40B4-BE49-F238E27FC236}">
+                <a16:creationId xmlns:a16="http://schemas.microsoft.com/office/drawing/2014/main" id="{7D628DDF-B942-6197-1419-F3C199DECE90}"/>
+              </a:ext>
+            </a:extLst>
+          </p:cNvPr>
+          <p:cNvSpPr>
+            <a:spLocks noGrp="1"/>
+          </p:cNvSpPr>
+          <p:nvPr>
+            <p:ph idx="1"/>
+          </p:nvPr>
+        </p:nvSpPr>
+        <p:spPr/>
+        <p:txBody>
+          <a:bodyPr/>
+          <a:lstStyle/>
+          <a:p>
+            <a:r>
+              <a:rPr kumimoji="1" lang="en-US" altLang="ja-JP" dirty="0"/>
+              <a:t>Flutter</a:t>
+            </a:r>
+            <a:r>
+              <a:rPr lang="ja-JP" altLang="en-US" dirty="0"/>
+              <a:t>と</a:t>
+            </a:r>
+            <a:r>
+              <a:rPr lang="en-US" altLang="ja-JP" dirty="0"/>
+              <a:t>Firebase</a:t>
+            </a:r>
+            <a:r>
+              <a:rPr lang="ja-JP" altLang="en-US" dirty="0"/>
+              <a:t>の紐づけ</a:t>
+            </a:r>
+            <a:br>
+              <a:rPr lang="en-US" altLang="ja-JP" dirty="0"/>
+            </a:br>
+            <a:r>
+              <a:rPr lang="en-US" altLang="ja-JP" dirty="0">
+                <a:hlinkClick r:id="rId2"/>
+              </a:rPr>
+              <a:t>Authentication</a:t>
+            </a:r>
+            <a:r>
+              <a:rPr lang="ja-JP" altLang="en-US" dirty="0">
+                <a:hlinkClick r:id="rId2"/>
+              </a:rPr>
+              <a:t>概要 </a:t>
+            </a:r>
+            <a:r>
+              <a:rPr lang="en-US" altLang="ja-JP" dirty="0">
+                <a:hlinkClick r:id="rId2"/>
+              </a:rPr>
+              <a:t>| Flutter</a:t>
+            </a:r>
+            <a:r>
+              <a:rPr lang="ja-JP" altLang="en-US" dirty="0">
+                <a:hlinkClick r:id="rId2"/>
+              </a:rPr>
+              <a:t>で始めるアプリ開発</a:t>
+            </a:r>
+            <a:endParaRPr lang="en-US" altLang="ja-JP" dirty="0"/>
+          </a:p>
+          <a:p>
+            <a:r>
+              <a:rPr lang="ja-JP" altLang="en-US" dirty="0"/>
+              <a:t>円グラフで収支を表示</a:t>
+            </a:r>
+            <a:br>
+              <a:rPr lang="en-US" altLang="ja-JP" dirty="0"/>
+            </a:br>
+            <a:r>
+              <a:rPr lang="en-US" altLang="ja-JP" dirty="0">
+                <a:hlinkClick r:id="rId3"/>
+              </a:rPr>
+              <a:t>【</a:t>
+            </a:r>
+            <a:r>
+              <a:rPr lang="en-US" altLang="ja-JP" dirty="0" err="1">
+                <a:hlinkClick r:id="rId3"/>
+              </a:rPr>
+              <a:t>Flutter】fl_chart</a:t>
+            </a:r>
+            <a:r>
+              <a:rPr lang="en-US" altLang="ja-JP" dirty="0">
+                <a:hlinkClick r:id="rId3"/>
+              </a:rPr>
+              <a:t> </a:t>
+            </a:r>
+            <a:r>
+              <a:rPr lang="ja-JP" altLang="en-US" dirty="0">
+                <a:hlinkClick r:id="rId3"/>
+              </a:rPr>
+              <a:t>でグラフを表示する</a:t>
+            </a:r>
+            <a:endParaRPr lang="en-US" altLang="ja-JP" dirty="0"/>
+          </a:p>
+          <a:p>
+            <a:r>
+              <a:rPr lang="ja-JP" altLang="en-US" dirty="0"/>
+              <a:t>カレンダー実装</a:t>
+            </a:r>
+            <a:endParaRPr lang="en-US" altLang="ja-JP" dirty="0"/>
+          </a:p>
+          <a:p>
+            <a:pPr marL="0" indent="0">
+              <a:buNone/>
+            </a:pPr>
+            <a:r>
+              <a:rPr lang="ja-JP" altLang="en-US" dirty="0">
+                <a:hlinkClick r:id="rId4"/>
+              </a:rPr>
+              <a:t> </a:t>
+            </a:r>
+            <a:r>
+              <a:rPr lang="en-US" altLang="ja-JP" dirty="0">
+                <a:hlinkClick r:id="rId4"/>
+              </a:rPr>
+              <a:t>【</a:t>
+            </a:r>
+            <a:r>
+              <a:rPr lang="en-US" altLang="ja-JP" dirty="0" err="1">
+                <a:hlinkClick r:id="rId4"/>
+              </a:rPr>
+              <a:t>Flutter】table_calendar</a:t>
+            </a:r>
+            <a:r>
+              <a:rPr lang="ja-JP" altLang="en-US" dirty="0">
+                <a:hlinkClick r:id="rId4"/>
+              </a:rPr>
+              <a:t>を使ってみる。</a:t>
+            </a:r>
+            <a:r>
+              <a:rPr lang="en-US" altLang="ja-JP" dirty="0">
+                <a:hlinkClick r:id="rId4"/>
+              </a:rPr>
+              <a:t>【</a:t>
+            </a:r>
+            <a:r>
+              <a:rPr lang="en-US" altLang="ja-JP" dirty="0" err="1">
+                <a:hlinkClick r:id="rId4"/>
+              </a:rPr>
+              <a:t>table_calendar</a:t>
+            </a:r>
+            <a:r>
+              <a:rPr lang="en-US" altLang="ja-JP" dirty="0">
+                <a:hlinkClick r:id="rId4"/>
+              </a:rPr>
+              <a:t> 3.0.0</a:t>
+            </a:r>
+            <a:r>
+              <a:rPr lang="ja-JP" altLang="en-US" dirty="0">
+                <a:hlinkClick r:id="rId4"/>
+              </a:rPr>
+              <a:t>対応</a:t>
+            </a:r>
+            <a:r>
+              <a:rPr lang="en-US" altLang="ja-JP" dirty="0">
+                <a:hlinkClick r:id="rId4"/>
+              </a:rPr>
+              <a:t>】 #Dart - </a:t>
+            </a:r>
+            <a:r>
+              <a:rPr lang="en-US" altLang="ja-JP" dirty="0" err="1">
+                <a:hlinkClick r:id="rId4"/>
+              </a:rPr>
+              <a:t>Qiita</a:t>
+            </a:r>
+            <a:endParaRPr lang="en-US" altLang="ja-JP" dirty="0"/>
+          </a:p>
+          <a:p>
+            <a:endParaRPr lang="en-US" altLang="ja-JP" dirty="0"/>
+          </a:p>
+          <a:p>
+            <a:endParaRPr lang="en-US" altLang="ja-JP" dirty="0"/>
+          </a:p>
+        </p:txBody>
+      </p:sp>
+    </p:spTree>
+    <p:extLst>
+      <p:ext uri="{BB962C8B-B14F-4D97-AF65-F5344CB8AC3E}">
+        <p14:creationId xmlns:p14="http://schemas.microsoft.com/office/powerpoint/2010/main" val="3661825707"/>
       </p:ext>
     </p:extLst>
   </p:cSld>
@@ -4994,7 +5252,7 @@
           <p:cNvPr id="2" name="タイトル 1">
             <a:extLst>
               <a:ext uri="{FF2B5EF4-FFF2-40B4-BE49-F238E27FC236}">
-                <a16:creationId xmlns:a16="http://schemas.microsoft.com/office/drawing/2014/main" id="{34BDEE1D-9BD4-CFCB-4439-85B6630DDD84}"/>
+                <a16:creationId xmlns:a16="http://schemas.microsoft.com/office/drawing/2014/main" id="{78793A75-E7F5-F419-70BA-C20FF9489126}"/>
               </a:ext>
             </a:extLst>
           </p:cNvPr>
@@ -5012,13 +5270,8 @@
           <a:p>
             <a:r>
               <a:rPr kumimoji="1" lang="ja-JP" altLang="en-US" dirty="0"/>
-              <a:t>参考</a:t>
-            </a:r>
-            <a:r>
-              <a:rPr kumimoji="1" lang="en-US" altLang="ja-JP" dirty="0"/>
-              <a:t>URL</a:t>
-            </a:r>
-            <a:endParaRPr kumimoji="1" lang="ja-JP" altLang="en-US" dirty="0"/>
+              <a:t>開発環境</a:t>
+            </a:r>
           </a:p>
         </p:txBody>
       </p:sp>
@@ -5027,7 +5280,7 @@
           <p:cNvPr id="3" name="コンテンツ プレースホルダー 2">
             <a:extLst>
               <a:ext uri="{FF2B5EF4-FFF2-40B4-BE49-F238E27FC236}">
-                <a16:creationId xmlns:a16="http://schemas.microsoft.com/office/drawing/2014/main" id="{7D628DDF-B942-6197-1419-F3C199DECE90}"/>
+                <a16:creationId xmlns:a16="http://schemas.microsoft.com/office/drawing/2014/main" id="{9FDB16FD-BD17-501D-5167-A2E0F76F0B66}"/>
               </a:ext>
             </a:extLst>
           </p:cNvPr>
@@ -5044,114 +5297,36 @@
           <a:lstStyle/>
           <a:p>
             <a:r>
-              <a:rPr kumimoji="1" lang="en-US" altLang="ja-JP" dirty="0"/>
-              <a:t>Flutter</a:t>
-            </a:r>
-            <a:r>
-              <a:rPr lang="ja-JP" altLang="en-US" dirty="0"/>
-              <a:t>と</a:t>
-            </a:r>
+              <a:rPr lang="en-US" altLang="ja-JP" dirty="0"/>
+              <a:t>Flutter(version 3.24.3)</a:t>
+            </a:r>
+          </a:p>
+          <a:p>
+            <a:r>
+              <a:rPr lang="en-US" altLang="ja-JP" dirty="0"/>
+              <a:t>Dart (version 3.5.3)</a:t>
+            </a:r>
+            <a:endParaRPr kumimoji="1" lang="en-US" altLang="ja-JP" dirty="0"/>
+          </a:p>
+          <a:p>
             <a:r>
               <a:rPr lang="en-US" altLang="ja-JP" dirty="0"/>
               <a:t>Firebase</a:t>
             </a:r>
-            <a:r>
-              <a:rPr lang="ja-JP" altLang="en-US" dirty="0"/>
-              <a:t>の紐づけ</a:t>
-            </a:r>
-            <a:br>
-              <a:rPr lang="en-US" altLang="ja-JP" dirty="0"/>
-            </a:br>
-            <a:r>
-              <a:rPr lang="ja-JP" altLang="en-US" dirty="0">
-                <a:hlinkClick r:id="rId2"/>
-              </a:rPr>
-              <a:t>　</a:t>
-            </a:r>
-            <a:r>
-              <a:rPr lang="en-US" altLang="ja-JP" dirty="0">
-                <a:hlinkClick r:id="rId2"/>
-              </a:rPr>
-              <a:t>01.Firebase</a:t>
-            </a:r>
-            <a:r>
-              <a:rPr lang="ja-JP" altLang="en-US" dirty="0">
-                <a:hlinkClick r:id="rId2"/>
-              </a:rPr>
-              <a:t>の概要｜</a:t>
-            </a:r>
-            <a:r>
-              <a:rPr lang="en-US" altLang="ja-JP" dirty="0">
-                <a:hlinkClick r:id="rId2"/>
-              </a:rPr>
-              <a:t>Flutter</a:t>
-            </a:r>
-            <a:r>
-              <a:rPr lang="ja-JP" altLang="en-US" dirty="0">
-                <a:hlinkClick r:id="rId2"/>
-              </a:rPr>
-              <a:t>実践入門</a:t>
-            </a:r>
-            <a:br>
-              <a:rPr lang="en-US" altLang="ja-JP" dirty="0"/>
-            </a:br>
-            <a:r>
-              <a:rPr lang="en-US" altLang="ja-JP" dirty="0">
-                <a:hlinkClick r:id="rId3"/>
-              </a:rPr>
-              <a:t>Flutter × Firebase </a:t>
-            </a:r>
-            <a:r>
-              <a:rPr lang="ja-JP" altLang="en-US" dirty="0">
-                <a:hlinkClick r:id="rId3"/>
-              </a:rPr>
-              <a:t>ではじめる個人開発</a:t>
-            </a:r>
-            <a:endParaRPr lang="en-US" altLang="ja-JP" dirty="0"/>
-          </a:p>
-          <a:p>
-            <a:r>
-              <a:rPr lang="ja-JP" altLang="en-US" dirty="0"/>
-              <a:t>円グラフで収支を表示</a:t>
-            </a:r>
-            <a:br>
-              <a:rPr lang="en-US" altLang="ja-JP" dirty="0"/>
-            </a:br>
-            <a:r>
-              <a:rPr lang="en-US" altLang="ja-JP" dirty="0">
-                <a:hlinkClick r:id="rId4"/>
-              </a:rPr>
-              <a:t>【</a:t>
-            </a:r>
-            <a:r>
-              <a:rPr lang="en-US" altLang="ja-JP" dirty="0" err="1">
-                <a:hlinkClick r:id="rId4"/>
-              </a:rPr>
-              <a:t>Flutter】fl_chart</a:t>
-            </a:r>
-            <a:r>
-              <a:rPr lang="en-US" altLang="ja-JP" dirty="0">
-                <a:hlinkClick r:id="rId4"/>
-              </a:rPr>
-              <a:t> </a:t>
-            </a:r>
-            <a:r>
-              <a:rPr lang="ja-JP" altLang="en-US">
-                <a:hlinkClick r:id="rId4"/>
-              </a:rPr>
-              <a:t>でグラフを表示する</a:t>
-            </a:r>
-            <a:endParaRPr lang="en-US" altLang="ja-JP" dirty="0"/>
-          </a:p>
-          <a:p>
-            <a:endParaRPr lang="en-US" altLang="ja-JP" dirty="0"/>
+          </a:p>
+          <a:p>
+            <a:r>
+              <a:rPr kumimoji="1" lang="en-US" altLang="ja-JP" dirty="0"/>
+              <a:t>Vs code</a:t>
+            </a:r>
+            <a:endParaRPr kumimoji="1" lang="ja-JP" altLang="en-US" dirty="0"/>
           </a:p>
         </p:txBody>
       </p:sp>
     </p:spTree>
     <p:extLst>
       <p:ext uri="{BB962C8B-B14F-4D97-AF65-F5344CB8AC3E}">
-        <p14:creationId xmlns:p14="http://schemas.microsoft.com/office/powerpoint/2010/main" val="3661825707"/>
+        <p14:creationId xmlns:p14="http://schemas.microsoft.com/office/powerpoint/2010/main" val="1621693941"/>
       </p:ext>
     </p:extLst>
   </p:cSld>

--- a/家計簿_岩下暢秀.pptx
+++ b/家計簿_岩下暢秀.pptx
@@ -14,7 +14,8 @@
     <p:sldId id="264" r:id="rId8"/>
     <p:sldId id="265" r:id="rId9"/>
     <p:sldId id="266" r:id="rId10"/>
-    <p:sldId id="259" r:id="rId11"/>
+    <p:sldId id="267" r:id="rId11"/>
+    <p:sldId id="259" r:id="rId12"/>
   </p:sldIdLst>
   <p:sldSz cx="12192000" cy="6858000"/>
   <p:notesSz cx="6858000" cy="9144000"/>
@@ -3725,6 +3726,92 @@
 </file>
 
 <file path=ppt/slides/slide10.xml><?xml version="1.0" encoding="utf-8"?>
+<p:sld xmlns:a="http://schemas.openxmlformats.org/drawingml/2006/main" xmlns:r="http://schemas.openxmlformats.org/officeDocument/2006/relationships" xmlns:p="http://schemas.openxmlformats.org/presentationml/2006/main">
+  <p:cSld>
+    <p:spTree>
+      <p:nvGrpSpPr>
+        <p:cNvPr id="1" name=""/>
+        <p:cNvGrpSpPr/>
+        <p:nvPr/>
+      </p:nvGrpSpPr>
+      <p:grpSpPr>
+        <a:xfrm>
+          <a:off x="0" y="0"/>
+          <a:ext cx="0" cy="0"/>
+          <a:chOff x="0" y="0"/>
+          <a:chExt cx="0" cy="0"/>
+        </a:xfrm>
+      </p:grpSpPr>
+      <p:sp>
+        <p:nvSpPr>
+          <p:cNvPr id="2" name="タイトル 1">
+            <a:extLst>
+              <a:ext uri="{FF2B5EF4-FFF2-40B4-BE49-F238E27FC236}">
+                <a16:creationId xmlns:a16="http://schemas.microsoft.com/office/drawing/2014/main" id="{9E8E87F2-6AE5-3B2B-1DDC-9CE5C55F5F90}"/>
+              </a:ext>
+            </a:extLst>
+          </p:cNvPr>
+          <p:cNvSpPr>
+            <a:spLocks noGrp="1"/>
+          </p:cNvSpPr>
+          <p:nvPr>
+            <p:ph type="title"/>
+          </p:nvPr>
+        </p:nvSpPr>
+        <p:spPr/>
+        <p:txBody>
+          <a:bodyPr/>
+          <a:lstStyle/>
+          <a:p>
+            <a:r>
+              <a:rPr kumimoji="1" lang="ja-JP" altLang="en-US" dirty="0"/>
+              <a:t>実装できなかった機能</a:t>
+            </a:r>
+          </a:p>
+        </p:txBody>
+      </p:sp>
+      <p:sp>
+        <p:nvSpPr>
+          <p:cNvPr id="3" name="コンテンツ プレースホルダー 2">
+            <a:extLst>
+              <a:ext uri="{FF2B5EF4-FFF2-40B4-BE49-F238E27FC236}">
+                <a16:creationId xmlns:a16="http://schemas.microsoft.com/office/drawing/2014/main" id="{F15589A5-CBDB-9E4B-A971-B1D7F5F92914}"/>
+              </a:ext>
+            </a:extLst>
+          </p:cNvPr>
+          <p:cNvSpPr>
+            <a:spLocks noGrp="1"/>
+          </p:cNvSpPr>
+          <p:nvPr>
+            <p:ph idx="1"/>
+          </p:nvPr>
+        </p:nvSpPr>
+        <p:spPr/>
+        <p:txBody>
+          <a:bodyPr/>
+          <a:lstStyle/>
+          <a:p>
+            <a:r>
+              <a:rPr kumimoji="1" lang="ja-JP" altLang="en-US" dirty="0"/>
+              <a:t>ログイン、ログアウト</a:t>
+            </a:r>
+          </a:p>
+        </p:txBody>
+      </p:sp>
+    </p:spTree>
+    <p:extLst>
+      <p:ext uri="{BB962C8B-B14F-4D97-AF65-F5344CB8AC3E}">
+        <p14:creationId xmlns:p14="http://schemas.microsoft.com/office/powerpoint/2010/main" val="2032022247"/>
+      </p:ext>
+    </p:extLst>
+  </p:cSld>
+  <p:clrMapOvr>
+    <a:masterClrMapping/>
+  </p:clrMapOvr>
+</p:sld>
+</file>
+
+<file path=ppt/slides/slide11.xml><?xml version="1.0" encoding="utf-8"?>
 <p:sld xmlns:a="http://schemas.openxmlformats.org/drawingml/2006/main" xmlns:r="http://schemas.openxmlformats.org/officeDocument/2006/relationships" xmlns:p="http://schemas.openxmlformats.org/presentationml/2006/main">
   <p:cSld>
     <p:spTree>
